--- a/other/All Slides.pptx
+++ b/other/All Slides.pptx
@@ -5,7 +5,7 @@
     <p:sldMasterId id="2147483660" r:id="rId1"/>
   </p:sldMasterIdLst>
   <p:notesMasterIdLst>
-    <p:notesMasterId r:id="rId24"/>
+    <p:notesMasterId r:id="rId26"/>
   </p:notesMasterIdLst>
   <p:sldIdLst>
     <p:sldId id="256" r:id="rId2"/>
@@ -29,7 +29,9 @@
     <p:sldId id="275" r:id="rId20"/>
     <p:sldId id="276" r:id="rId21"/>
     <p:sldId id="281" r:id="rId22"/>
-    <p:sldId id="277" r:id="rId23"/>
+    <p:sldId id="282" r:id="rId23"/>
+    <p:sldId id="283" r:id="rId24"/>
+    <p:sldId id="277" r:id="rId25"/>
   </p:sldIdLst>
   <p:sldSz cx="9144000" cy="6858000" type="screen4x3"/>
   <p:notesSz cx="6858000" cy="9144000"/>
@@ -238,11 +240,11 @@
           <c:showBubbleSize val="0"/>
         </c:dLbls>
         <c:gapWidth val="150"/>
-        <c:axId val="105947904"/>
-        <c:axId val="105949440"/>
+        <c:axId val="157960448"/>
+        <c:axId val="106323968"/>
       </c:barChart>
       <c:catAx>
-        <c:axId val="105947904"/>
+        <c:axId val="157960448"/>
         <c:scaling>
           <c:orientation val="minMax"/>
         </c:scaling>
@@ -252,7 +254,7 @@
         <c:majorTickMark val="out"/>
         <c:minorTickMark val="none"/>
         <c:tickLblPos val="nextTo"/>
-        <c:crossAx val="105949440"/>
+        <c:crossAx val="106323968"/>
         <c:crosses val="autoZero"/>
         <c:auto val="1"/>
         <c:lblAlgn val="ctr"/>
@@ -260,7 +262,7 @@
         <c:noMultiLvlLbl val="0"/>
       </c:catAx>
       <c:valAx>
-        <c:axId val="105949440"/>
+        <c:axId val="106323968"/>
         <c:scaling>
           <c:orientation val="minMax"/>
         </c:scaling>
@@ -271,7 +273,7 @@
         <c:majorTickMark val="out"/>
         <c:minorTickMark val="none"/>
         <c:tickLblPos val="nextTo"/>
-        <c:crossAx val="105947904"/>
+        <c:crossAx val="157960448"/>
         <c:crosses val="autoZero"/>
         <c:crossBetween val="between"/>
       </c:valAx>
@@ -378,7 +380,7 @@
           <a:p>
             <a:fld id="{9E20344C-66EC-49B8-9ABB-3148539C3095}" type="datetimeFigureOut">
               <a:rPr lang="da-DK" smtClean="0"/>
-              <a:t>13-01-2014</a:t>
+              <a:t>14-01-2014</a:t>
             </a:fld>
             <a:endParaRPr lang="da-DK"/>
           </a:p>
@@ -1226,7 +1228,7 @@
           <a:p>
             <a:fld id="{425B6E1E-4D35-4355-8CCC-D78184DA3599}" type="slidenum">
               <a:rPr lang="da-DK" smtClean="0"/>
-              <a:t>22</a:t>
+              <a:t>24</a:t>
             </a:fld>
             <a:endParaRPr lang="da-DK"/>
           </a:p>
@@ -4002,7 +4004,7 @@
           <a:p>
             <a:fld id="{86A6D52D-0D10-4974-9D26-2E668C688FF2}" type="datetime1">
               <a:rPr lang="da-DK" smtClean="0"/>
-              <a:t>13-01-2014</a:t>
+              <a:t>14-01-2014</a:t>
             </a:fld>
             <a:endParaRPr lang="da-DK"/>
           </a:p>
@@ -4175,13 +4177,13 @@
   <p:clrMapOvr>
     <a:masterClrMapping/>
   </p:clrMapOvr>
-  <mc:AlternateContent xmlns:mc="http://schemas.openxmlformats.org/markup-compatibility/2006">
-    <mc:Choice xmlns:p14="http://schemas.microsoft.com/office/powerpoint/2010/main" Requires="p14">
+  <mc:AlternateContent xmlns:mc="http://schemas.openxmlformats.org/markup-compatibility/2006" xmlns:p14="http://schemas.microsoft.com/office/powerpoint/2010/main">
+    <mc:Choice Requires="p14">
       <p:transition spd="med" p14:dur="700">
         <p:fade/>
       </p:transition>
     </mc:Choice>
-    <mc:Fallback>
+    <mc:Fallback xmlns="">
       <p:transition spd="med">
         <p:fade/>
       </p:transition>
@@ -4299,7 +4301,7 @@
           <a:p>
             <a:fld id="{10A2BC60-D0F1-4CCF-BD03-5E33437ADC46}" type="datetime1">
               <a:rPr lang="da-DK" smtClean="0"/>
-              <a:t>13-01-2014</a:t>
+              <a:t>14-01-2014</a:t>
             </a:fld>
             <a:endParaRPr lang="da-DK"/>
           </a:p>
@@ -4352,13 +4354,13 @@
   <p:clrMapOvr>
     <a:masterClrMapping/>
   </p:clrMapOvr>
-  <mc:AlternateContent xmlns:mc="http://schemas.openxmlformats.org/markup-compatibility/2006">
-    <mc:Choice xmlns:p14="http://schemas.microsoft.com/office/powerpoint/2010/main" Requires="p14">
+  <mc:AlternateContent xmlns:mc="http://schemas.openxmlformats.org/markup-compatibility/2006" xmlns:p14="http://schemas.microsoft.com/office/powerpoint/2010/main">
+    <mc:Choice Requires="p14">
       <p:transition spd="med" p14:dur="700">
         <p:fade/>
       </p:transition>
     </mc:Choice>
-    <mc:Fallback>
+    <mc:Fallback xmlns="">
       <p:transition spd="med">
         <p:fade/>
       </p:transition>
@@ -4486,7 +4488,7 @@
           <a:p>
             <a:fld id="{7E2B900F-D4A0-40A5-9F4A-CAAB7DAFCCCA}" type="datetime1">
               <a:rPr lang="da-DK" smtClean="0"/>
-              <a:t>13-01-2014</a:t>
+              <a:t>14-01-2014</a:t>
             </a:fld>
             <a:endParaRPr lang="da-DK"/>
           </a:p>
@@ -4539,13 +4541,13 @@
   <p:clrMapOvr>
     <a:masterClrMapping/>
   </p:clrMapOvr>
-  <mc:AlternateContent xmlns:mc="http://schemas.openxmlformats.org/markup-compatibility/2006">
-    <mc:Choice xmlns:p14="http://schemas.microsoft.com/office/powerpoint/2010/main" Requires="p14">
+  <mc:AlternateContent xmlns:mc="http://schemas.openxmlformats.org/markup-compatibility/2006" xmlns:p14="http://schemas.microsoft.com/office/powerpoint/2010/main">
+    <mc:Choice Requires="p14">
       <p:transition spd="med" p14:dur="700">
         <p:fade/>
       </p:transition>
     </mc:Choice>
-    <mc:Fallback>
+    <mc:Fallback xmlns="">
       <p:transition spd="med">
         <p:fade/>
       </p:transition>
@@ -4663,7 +4665,7 @@
           <a:p>
             <a:fld id="{16BDF056-55B9-4851-AAA2-5AE5E1D05865}" type="datetime1">
               <a:rPr lang="da-DK" smtClean="0"/>
-              <a:t>13-01-2014</a:t>
+              <a:t>14-01-2014</a:t>
             </a:fld>
             <a:endParaRPr lang="da-DK"/>
           </a:p>
@@ -4716,13 +4718,13 @@
   <p:clrMapOvr>
     <a:masterClrMapping/>
   </p:clrMapOvr>
-  <mc:AlternateContent xmlns:mc="http://schemas.openxmlformats.org/markup-compatibility/2006">
-    <mc:Choice xmlns:p14="http://schemas.microsoft.com/office/powerpoint/2010/main" Requires="p14">
+  <mc:AlternateContent xmlns:mc="http://schemas.openxmlformats.org/markup-compatibility/2006" xmlns:p14="http://schemas.microsoft.com/office/powerpoint/2010/main">
+    <mc:Choice Requires="p14">
       <p:transition spd="med" p14:dur="700">
         <p:fade/>
       </p:transition>
     </mc:Choice>
-    <mc:Fallback>
+    <mc:Fallback xmlns="">
       <p:transition spd="med">
         <p:fade/>
       </p:transition>
@@ -4916,7 +4918,7 @@
           <a:p>
             <a:fld id="{B614E0A7-D08C-4277-93C4-B887FAC3FA2F}" type="datetime1">
               <a:rPr lang="da-DK" smtClean="0"/>
-              <a:t>13-01-2014</a:t>
+              <a:t>14-01-2014</a:t>
             </a:fld>
             <a:endParaRPr lang="da-DK"/>
           </a:p>
@@ -4969,13 +4971,13 @@
   <p:clrMapOvr>
     <a:masterClrMapping/>
   </p:clrMapOvr>
-  <mc:AlternateContent xmlns:mc="http://schemas.openxmlformats.org/markup-compatibility/2006">
-    <mc:Choice xmlns:p14="http://schemas.microsoft.com/office/powerpoint/2010/main" Requires="p14">
+  <mc:AlternateContent xmlns:mc="http://schemas.openxmlformats.org/markup-compatibility/2006" xmlns:p14="http://schemas.microsoft.com/office/powerpoint/2010/main">
+    <mc:Choice Requires="p14">
       <p:transition spd="med" p14:dur="700">
         <p:fade/>
       </p:transition>
     </mc:Choice>
-    <mc:Fallback>
+    <mc:Fallback xmlns="">
       <p:transition spd="med">
         <p:fade/>
       </p:transition>
@@ -5041,7 +5043,7 @@
           <a:p>
             <a:fld id="{3E4C0B15-090F-4FE7-B32A-E76F88A02186}" type="datetime1">
               <a:rPr lang="da-DK" smtClean="0"/>
-              <a:t>13-01-2014</a:t>
+              <a:t>14-01-2014</a:t>
             </a:fld>
             <a:endParaRPr lang="da-DK"/>
           </a:p>
@@ -5208,13 +5210,13 @@
   <p:clrMapOvr>
     <a:masterClrMapping/>
   </p:clrMapOvr>
-  <mc:AlternateContent xmlns:mc="http://schemas.openxmlformats.org/markup-compatibility/2006">
-    <mc:Choice xmlns:p14="http://schemas.microsoft.com/office/powerpoint/2010/main" Requires="p14">
+  <mc:AlternateContent xmlns:mc="http://schemas.openxmlformats.org/markup-compatibility/2006" xmlns:p14="http://schemas.microsoft.com/office/powerpoint/2010/main">
+    <mc:Choice Requires="p14">
       <p:transition spd="med" p14:dur="700">
         <p:fade/>
       </p:transition>
     </mc:Choice>
-    <mc:Fallback>
+    <mc:Fallback xmlns="">
       <p:transition spd="med">
         <p:fade/>
       </p:transition>
@@ -5592,7 +5594,7 @@
           <a:p>
             <a:fld id="{4037CD6B-B545-4822-BBC9-350B661BE9AC}" type="datetime1">
               <a:rPr lang="da-DK" smtClean="0"/>
-              <a:t>13-01-2014</a:t>
+              <a:t>14-01-2014</a:t>
             </a:fld>
             <a:endParaRPr lang="da-DK"/>
           </a:p>
@@ -5645,13 +5647,13 @@
   <p:clrMapOvr>
     <a:masterClrMapping/>
   </p:clrMapOvr>
-  <mc:AlternateContent xmlns:mc="http://schemas.openxmlformats.org/markup-compatibility/2006">
-    <mc:Choice xmlns:p14="http://schemas.microsoft.com/office/powerpoint/2010/main" Requires="p14">
+  <mc:AlternateContent xmlns:mc="http://schemas.openxmlformats.org/markup-compatibility/2006" xmlns:p14="http://schemas.microsoft.com/office/powerpoint/2010/main">
+    <mc:Choice Requires="p14">
       <p:transition spd="med" p14:dur="700">
         <p:fade/>
       </p:transition>
     </mc:Choice>
-    <mc:Fallback>
+    <mc:Fallback xmlns="">
       <p:transition spd="med">
         <p:fade/>
       </p:transition>
@@ -5717,7 +5719,7 @@
           <a:p>
             <a:fld id="{6CF5873F-3EA2-42BA-BB39-917A5E5E7227}" type="datetime1">
               <a:rPr lang="da-DK" smtClean="0"/>
-              <a:t>13-01-2014</a:t>
+              <a:t>14-01-2014</a:t>
             </a:fld>
             <a:endParaRPr lang="da-DK"/>
           </a:p>
@@ -5770,13 +5772,13 @@
   <p:clrMapOvr>
     <a:masterClrMapping/>
   </p:clrMapOvr>
-  <mc:AlternateContent xmlns:mc="http://schemas.openxmlformats.org/markup-compatibility/2006">
-    <mc:Choice xmlns:p14="http://schemas.microsoft.com/office/powerpoint/2010/main" Requires="p14">
+  <mc:AlternateContent xmlns:mc="http://schemas.openxmlformats.org/markup-compatibility/2006" xmlns:p14="http://schemas.microsoft.com/office/powerpoint/2010/main">
+    <mc:Choice Requires="p14">
       <p:transition spd="med" p14:dur="700">
         <p:fade/>
       </p:transition>
     </mc:Choice>
-    <mc:Fallback>
+    <mc:Fallback xmlns="">
       <p:transition spd="med">
         <p:fade/>
       </p:transition>
@@ -5819,7 +5821,7 @@
           <a:p>
             <a:fld id="{03101F49-36B6-4328-86DD-76856DAE9688}" type="datetime1">
               <a:rPr lang="da-DK" smtClean="0"/>
-              <a:t>13-01-2014</a:t>
+              <a:t>14-01-2014</a:t>
             </a:fld>
             <a:endParaRPr lang="da-DK"/>
           </a:p>
@@ -5872,13 +5874,13 @@
   <p:clrMapOvr>
     <a:masterClrMapping/>
   </p:clrMapOvr>
-  <mc:AlternateContent xmlns:mc="http://schemas.openxmlformats.org/markup-compatibility/2006">
-    <mc:Choice xmlns:p14="http://schemas.microsoft.com/office/powerpoint/2010/main" Requires="p14">
+  <mc:AlternateContent xmlns:mc="http://schemas.openxmlformats.org/markup-compatibility/2006" xmlns:p14="http://schemas.microsoft.com/office/powerpoint/2010/main">
+    <mc:Choice Requires="p14">
       <p:transition spd="med" p14:dur="700">
         <p:fade/>
       </p:transition>
     </mc:Choice>
-    <mc:Fallback>
+    <mc:Fallback xmlns="">
       <p:transition spd="med">
         <p:fade/>
       </p:transition>
@@ -8482,7 +8484,7 @@
           <a:p>
             <a:fld id="{088C2D86-B4CE-4F27-B674-AE40E068B2B5}" type="datetime1">
               <a:rPr lang="da-DK" smtClean="0"/>
-              <a:t>13-01-2014</a:t>
+              <a:t>14-01-2014</a:t>
             </a:fld>
             <a:endParaRPr lang="da-DK"/>
           </a:p>
@@ -8826,13 +8828,13 @@
   <p:clrMapOvr>
     <a:masterClrMapping/>
   </p:clrMapOvr>
-  <mc:AlternateContent xmlns:mc="http://schemas.openxmlformats.org/markup-compatibility/2006">
-    <mc:Choice xmlns:p14="http://schemas.microsoft.com/office/powerpoint/2010/main" Requires="p14">
+  <mc:AlternateContent xmlns:mc="http://schemas.openxmlformats.org/markup-compatibility/2006" xmlns:p14="http://schemas.microsoft.com/office/powerpoint/2010/main">
+    <mc:Choice Requires="p14">
       <p:transition spd="med" p14:dur="700">
         <p:fade/>
       </p:transition>
     </mc:Choice>
-    <mc:Fallback>
+    <mc:Fallback xmlns="">
       <p:transition spd="med">
         <p:fade/>
       </p:transition>
@@ -11706,7 +11708,7 @@
           <a:p>
             <a:fld id="{040FE30C-FFB6-49A7-AC20-E6CFD882161E}" type="datetime1">
               <a:rPr lang="da-DK" smtClean="0"/>
-              <a:t>13-01-2014</a:t>
+              <a:t>14-01-2014</a:t>
             </a:fld>
             <a:endParaRPr lang="da-DK"/>
           </a:p>
@@ -11766,13 +11768,13 @@
   <p:clrMapOvr>
     <a:masterClrMapping/>
   </p:clrMapOvr>
-  <mc:AlternateContent xmlns:mc="http://schemas.openxmlformats.org/markup-compatibility/2006">
-    <mc:Choice xmlns:p14="http://schemas.microsoft.com/office/powerpoint/2010/main" Requires="p14">
+  <mc:AlternateContent xmlns:mc="http://schemas.openxmlformats.org/markup-compatibility/2006" xmlns:p14="http://schemas.microsoft.com/office/powerpoint/2010/main">
+    <mc:Choice Requires="p14">
       <p:transition spd="med" p14:dur="700">
         <p:fade/>
       </p:transition>
     </mc:Choice>
-    <mc:Fallback>
+    <mc:Fallback xmlns="">
       <p:transition spd="med">
         <p:fade/>
       </p:transition>
@@ -14540,7 +14542,7 @@
           <a:p>
             <a:fld id="{34B7DD71-98FF-4D9D-AADC-B62644193DD5}" type="datetime1">
               <a:rPr lang="da-DK" smtClean="0"/>
-              <a:t>13-01-2014</a:t>
+              <a:t>14-01-2014</a:t>
             </a:fld>
             <a:endParaRPr lang="da-DK"/>
           </a:p>
@@ -14636,13 +14638,13 @@
     <p:sldLayoutId id="2147483670" r:id="rId10"/>
     <p:sldLayoutId id="2147483671" r:id="rId11"/>
   </p:sldLayoutIdLst>
-  <mc:AlternateContent xmlns:mc="http://schemas.openxmlformats.org/markup-compatibility/2006">
-    <mc:Choice xmlns:p14="http://schemas.microsoft.com/office/powerpoint/2010/main" Requires="p14">
+  <mc:AlternateContent xmlns:mc="http://schemas.openxmlformats.org/markup-compatibility/2006" xmlns:p14="http://schemas.microsoft.com/office/powerpoint/2010/main">
+    <mc:Choice Requires="p14">
       <p:transition spd="med" p14:dur="700">
         <p:fade/>
       </p:transition>
     </mc:Choice>
-    <mc:Fallback>
+    <mc:Fallback xmlns="">
       <p:transition spd="med">
         <p:fade/>
       </p:transition>
@@ -15152,7 +15154,7 @@
           <a:p>
             <a:fld id="{80523ACE-D02A-4A3A-BBEA-94FD31E23898}" type="datetime1">
               <a:rPr lang="da-DK" smtClean="0"/>
-              <a:t>13-01-2014</a:t>
+              <a:t>14-01-2014</a:t>
             </a:fld>
             <a:endParaRPr lang="da-DK"/>
           </a:p>
@@ -15168,13 +15170,13 @@
   <p:clrMapOvr>
     <a:masterClrMapping/>
   </p:clrMapOvr>
-  <mc:AlternateContent xmlns:mc="http://schemas.openxmlformats.org/markup-compatibility/2006">
-    <mc:Choice xmlns:p14="http://schemas.microsoft.com/office/powerpoint/2010/main" Requires="p14">
+  <mc:AlternateContent xmlns:mc="http://schemas.openxmlformats.org/markup-compatibility/2006" xmlns:p14="http://schemas.microsoft.com/office/powerpoint/2010/main">
+    <mc:Choice Requires="p14">
       <p:transition spd="med" p14:dur="700">
         <p:fade/>
       </p:transition>
     </mc:Choice>
-    <mc:Fallback>
+    <mc:Fallback xmlns="">
       <p:transition spd="med">
         <p:fade/>
       </p:transition>
@@ -15314,7 +15316,11 @@
               <a:rPr lang="da-DK" smtClean="0"/>
               <a:t>10</a:t>
             </a:fld>
-            <a:endParaRPr lang="da-DK"/>
+            <a:r>
+              <a:rPr lang="da-DK" dirty="0"/>
+              <a:t>/24</a:t>
+            </a:r>
+            <a:endParaRPr lang="da-DK" dirty="0"/>
           </a:p>
         </p:txBody>
       </p:sp>
@@ -15335,7 +15341,7 @@
           <a:p>
             <a:fld id="{31F204BD-5479-4E1D-9674-B25E8EE6BF5E}" type="datetime1">
               <a:rPr lang="da-DK" smtClean="0"/>
-              <a:t>13-01-2014</a:t>
+              <a:t>14-01-2014</a:t>
             </a:fld>
             <a:endParaRPr lang="da-DK"/>
           </a:p>
@@ -15351,13 +15357,13 @@
   <p:clrMapOvr>
     <a:masterClrMapping/>
   </p:clrMapOvr>
-  <mc:AlternateContent xmlns:mc="http://schemas.openxmlformats.org/markup-compatibility/2006">
-    <mc:Choice xmlns:p14="http://schemas.microsoft.com/office/powerpoint/2010/main" Requires="p14">
+  <mc:AlternateContent xmlns:mc="http://schemas.openxmlformats.org/markup-compatibility/2006" xmlns:p14="http://schemas.microsoft.com/office/powerpoint/2010/main">
+    <mc:Choice Requires="p14">
       <p:transition spd="med" p14:dur="700">
         <p:fade/>
       </p:transition>
     </mc:Choice>
-    <mc:Fallback>
+    <mc:Fallback xmlns="">
       <p:transition spd="med">
         <p:fade/>
       </p:transition>
@@ -15462,7 +15468,11 @@
               <a:rPr lang="da-DK" smtClean="0"/>
               <a:t>11</a:t>
             </a:fld>
-            <a:endParaRPr lang="da-DK"/>
+            <a:r>
+              <a:rPr lang="da-DK" dirty="0"/>
+              <a:t>/24</a:t>
+            </a:r>
+            <a:endParaRPr lang="da-DK" dirty="0"/>
           </a:p>
         </p:txBody>
       </p:sp>
@@ -15483,7 +15493,7 @@
           <a:p>
             <a:fld id="{60075315-2359-4A0E-A481-26FE07C5C4FE}" type="datetime1">
               <a:rPr lang="da-DK" smtClean="0"/>
-              <a:t>13-01-2014</a:t>
+              <a:t>14-01-2014</a:t>
             </a:fld>
             <a:endParaRPr lang="da-DK"/>
           </a:p>
@@ -15499,13 +15509,13 @@
   <p:clrMapOvr>
     <a:masterClrMapping/>
   </p:clrMapOvr>
-  <mc:AlternateContent xmlns:mc="http://schemas.openxmlformats.org/markup-compatibility/2006">
-    <mc:Choice xmlns:p14="http://schemas.microsoft.com/office/powerpoint/2010/main" Requires="p14">
+  <mc:AlternateContent xmlns:mc="http://schemas.openxmlformats.org/markup-compatibility/2006" xmlns:p14="http://schemas.microsoft.com/office/powerpoint/2010/main">
+    <mc:Choice Requires="p14">
       <p:transition spd="med" p14:dur="700">
         <p:fade/>
       </p:transition>
     </mc:Choice>
-    <mc:Fallback>
+    <mc:Fallback xmlns="">
       <p:transition spd="med">
         <p:fade/>
       </p:transition>
@@ -15616,7 +15626,11 @@
               <a:rPr lang="da-DK" smtClean="0"/>
               <a:t>12</a:t>
             </a:fld>
-            <a:endParaRPr lang="da-DK"/>
+            <a:r>
+              <a:rPr lang="da-DK" dirty="0"/>
+              <a:t>/24</a:t>
+            </a:r>
+            <a:endParaRPr lang="da-DK" dirty="0"/>
           </a:p>
         </p:txBody>
       </p:sp>
@@ -15637,7 +15651,7 @@
           <a:p>
             <a:fld id="{AC4452F6-4F3B-4E25-8AD5-FFB043CC94B5}" type="datetime1">
               <a:rPr lang="da-DK" smtClean="0"/>
-              <a:t>13-01-2014</a:t>
+              <a:t>14-01-2014</a:t>
             </a:fld>
             <a:endParaRPr lang="da-DK"/>
           </a:p>
@@ -15653,13 +15667,13 @@
   <p:clrMapOvr>
     <a:masterClrMapping/>
   </p:clrMapOvr>
-  <mc:AlternateContent xmlns:mc="http://schemas.openxmlformats.org/markup-compatibility/2006">
-    <mc:Choice xmlns:p14="http://schemas.microsoft.com/office/powerpoint/2010/main" Requires="p14">
+  <mc:AlternateContent xmlns:mc="http://schemas.openxmlformats.org/markup-compatibility/2006" xmlns:p14="http://schemas.microsoft.com/office/powerpoint/2010/main">
+    <mc:Choice Requires="p14">
       <p:transition spd="med" p14:dur="700">
         <p:fade/>
       </p:transition>
     </mc:Choice>
-    <mc:Fallback>
+    <mc:Fallback xmlns="">
       <p:transition spd="med">
         <p:fade/>
       </p:transition>
@@ -15741,15 +15755,7 @@
             <a:pPr lvl="1"/>
             <a:r>
               <a:rPr lang="en-US" dirty="0" smtClean="0"/>
-              <a:t>All rules should have </a:t>
-            </a:r>
-            <a:r>
-              <a:rPr lang="en-US" dirty="0" smtClean="0"/>
-              <a:t>at least </a:t>
-            </a:r>
-            <a:r>
-              <a:rPr lang="en-US" dirty="0" smtClean="0"/>
-              <a:t>a start date</a:t>
+              <a:t>All rules should have at least a start date</a:t>
             </a:r>
           </a:p>
           <a:p>
@@ -15769,15 +15775,7 @@
             <a:pPr lvl="1"/>
             <a:r>
               <a:rPr lang="en-US" dirty="0" smtClean="0"/>
-              <a:t>Should it still be allowed to make </a:t>
-            </a:r>
-            <a:r>
-              <a:rPr lang="en-US" dirty="0" smtClean="0"/>
-              <a:t>several </a:t>
-            </a:r>
-            <a:r>
-              <a:rPr lang="en-US" dirty="0" smtClean="0"/>
-              <a:t>overlapping rules? </a:t>
+              <a:t>Should it still be allowed to make several overlapping rules? </a:t>
             </a:r>
           </a:p>
           <a:p>
@@ -15808,7 +15806,11 @@
               <a:rPr lang="da-DK" smtClean="0"/>
               <a:t>13</a:t>
             </a:fld>
-            <a:endParaRPr lang="da-DK"/>
+            <a:r>
+              <a:rPr lang="da-DK" dirty="0"/>
+              <a:t>/24</a:t>
+            </a:r>
+            <a:endParaRPr lang="da-DK" dirty="0"/>
           </a:p>
         </p:txBody>
       </p:sp>
@@ -15829,7 +15831,7 @@
           <a:p>
             <a:fld id="{CA70356F-6C67-43F8-B60D-9111CD87889F}" type="datetime1">
               <a:rPr lang="da-DK" smtClean="0"/>
-              <a:t>13-01-2014</a:t>
+              <a:t>14-01-2014</a:t>
             </a:fld>
             <a:endParaRPr lang="da-DK"/>
           </a:p>
@@ -15845,13 +15847,13 @@
   <p:clrMapOvr>
     <a:masterClrMapping/>
   </p:clrMapOvr>
-  <mc:AlternateContent xmlns:mc="http://schemas.openxmlformats.org/markup-compatibility/2006">
-    <mc:Choice xmlns:p14="http://schemas.microsoft.com/office/powerpoint/2010/main" Requires="p14">
+  <mc:AlternateContent xmlns:mc="http://schemas.openxmlformats.org/markup-compatibility/2006" xmlns:p14="http://schemas.microsoft.com/office/powerpoint/2010/main">
+    <mc:Choice Requires="p14">
       <p:transition spd="med" p14:dur="700">
         <p:fade/>
       </p:transition>
     </mc:Choice>
-    <mc:Fallback>
+    <mc:Fallback xmlns="">
       <p:transition spd="med">
         <p:fade/>
       </p:transition>
@@ -15988,7 +15990,11 @@
               <a:rPr lang="da-DK" smtClean="0"/>
               <a:t>14</a:t>
             </a:fld>
-            <a:endParaRPr lang="da-DK"/>
+            <a:r>
+              <a:rPr lang="da-DK" dirty="0"/>
+              <a:t>/24</a:t>
+            </a:r>
+            <a:endParaRPr lang="da-DK" dirty="0"/>
           </a:p>
         </p:txBody>
       </p:sp>
@@ -16009,7 +16015,7 @@
           <a:p>
             <a:fld id="{3D903BCF-428F-4C22-96DC-23F35B551A8D}" type="datetime1">
               <a:rPr lang="da-DK" smtClean="0"/>
-              <a:t>13-01-2014</a:t>
+              <a:t>14-01-2014</a:t>
             </a:fld>
             <a:endParaRPr lang="da-DK"/>
           </a:p>
@@ -16025,13 +16031,13 @@
   <p:clrMapOvr>
     <a:masterClrMapping/>
   </p:clrMapOvr>
-  <mc:AlternateContent xmlns:mc="http://schemas.openxmlformats.org/markup-compatibility/2006">
-    <mc:Choice xmlns:p14="http://schemas.microsoft.com/office/powerpoint/2010/main" Requires="p14">
+  <mc:AlternateContent xmlns:mc="http://schemas.openxmlformats.org/markup-compatibility/2006" xmlns:p14="http://schemas.microsoft.com/office/powerpoint/2010/main">
+    <mc:Choice Requires="p14">
       <p:transition spd="med" p14:dur="700">
         <p:fade/>
       </p:transition>
     </mc:Choice>
-    <mc:Fallback>
+    <mc:Fallback xmlns="">
       <p:transition spd="med">
         <p:fade/>
       </p:transition>
@@ -16214,7 +16220,11 @@
               <a:rPr lang="da-DK" smtClean="0"/>
               <a:t>15</a:t>
             </a:fld>
-            <a:endParaRPr lang="da-DK"/>
+            <a:r>
+              <a:rPr lang="da-DK" dirty="0"/>
+              <a:t>/24</a:t>
+            </a:r>
+            <a:endParaRPr lang="da-DK" dirty="0"/>
           </a:p>
         </p:txBody>
       </p:sp>
@@ -16235,7 +16245,7 @@
           <a:p>
             <a:fld id="{FC9712D8-8AD5-45CD-A344-417D054CF41C}" type="datetime1">
               <a:rPr lang="da-DK" smtClean="0"/>
-              <a:t>13-01-2014</a:t>
+              <a:t>14-01-2014</a:t>
             </a:fld>
             <a:endParaRPr lang="da-DK"/>
           </a:p>
@@ -16251,13 +16261,13 @@
   <p:clrMapOvr>
     <a:masterClrMapping/>
   </p:clrMapOvr>
-  <mc:AlternateContent xmlns:mc="http://schemas.openxmlformats.org/markup-compatibility/2006">
-    <mc:Choice xmlns:p14="http://schemas.microsoft.com/office/powerpoint/2010/main" Requires="p14">
+  <mc:AlternateContent xmlns:mc="http://schemas.openxmlformats.org/markup-compatibility/2006" xmlns:p14="http://schemas.microsoft.com/office/powerpoint/2010/main">
+    <mc:Choice Requires="p14">
       <p:transition spd="med" p14:dur="700">
         <p:fade/>
       </p:transition>
     </mc:Choice>
-    <mc:Fallback>
+    <mc:Fallback xmlns="">
       <p:transition spd="med">
         <p:fade/>
       </p:transition>
@@ -16362,7 +16372,11 @@
               <a:rPr lang="da-DK" smtClean="0"/>
               <a:t>16</a:t>
             </a:fld>
-            <a:endParaRPr lang="da-DK"/>
+            <a:r>
+              <a:rPr lang="da-DK" dirty="0"/>
+              <a:t>/24</a:t>
+            </a:r>
+            <a:endParaRPr lang="da-DK" dirty="0"/>
           </a:p>
         </p:txBody>
       </p:sp>
@@ -16383,7 +16397,7 @@
           <a:p>
             <a:fld id="{B5300A4B-07EF-4169-968D-EAA308EE91ED}" type="datetime1">
               <a:rPr lang="da-DK" smtClean="0"/>
-              <a:t>13-01-2014</a:t>
+              <a:t>14-01-2014</a:t>
             </a:fld>
             <a:endParaRPr lang="da-DK"/>
           </a:p>
@@ -16399,13 +16413,13 @@
   <p:clrMapOvr>
     <a:masterClrMapping/>
   </p:clrMapOvr>
-  <mc:AlternateContent xmlns:mc="http://schemas.openxmlformats.org/markup-compatibility/2006">
-    <mc:Choice xmlns:p14="http://schemas.microsoft.com/office/powerpoint/2010/main" Requires="p14">
+  <mc:AlternateContent xmlns:mc="http://schemas.openxmlformats.org/markup-compatibility/2006" xmlns:p14="http://schemas.microsoft.com/office/powerpoint/2010/main">
+    <mc:Choice Requires="p14">
       <p:transition spd="med" p14:dur="700">
         <p:fade/>
       </p:transition>
     </mc:Choice>
-    <mc:Fallback>
+    <mc:Fallback xmlns="">
       <p:transition spd="med">
         <p:fade/>
       </p:transition>
@@ -16489,13 +16503,8 @@
             <a:pPr marL="285750"/>
             <a:r>
               <a:rPr lang="en-US" dirty="0" smtClean="0"/>
-              <a:t>A Background Service that runs without User </a:t>
-            </a:r>
-            <a:r>
-              <a:rPr lang="en-US" dirty="0" smtClean="0"/>
-              <a:t>input</a:t>
-            </a:r>
-            <a:endParaRPr lang="en-US" dirty="0" smtClean="0"/>
+              <a:t>A Background Service that runs without User input</a:t>
+            </a:r>
           </a:p>
           <a:p>
             <a:pPr marL="285750"/>
@@ -16514,23 +16523,13 @@
               <a:rPr lang="en-US" dirty="0" smtClean="0"/>
               <a:t>functionality</a:t>
             </a:r>
-            <a:endParaRPr lang="en-US" dirty="0" smtClean="0"/>
           </a:p>
           <a:p>
             <a:pPr marL="285750"/>
             <a:r>
               <a:rPr lang="en-US" dirty="0" smtClean="0"/>
-              <a:t>Currently </a:t>
-            </a:r>
-            <a:r>
-              <a:rPr lang="en-US" dirty="0" smtClean="0"/>
-              <a:t>only functions to add </a:t>
-            </a:r>
-            <a:r>
-              <a:rPr lang="en-US" dirty="0" smtClean="0"/>
-              <a:t>points</a:t>
-            </a:r>
-            <a:endParaRPr lang="en-US" dirty="0" smtClean="0"/>
+              <a:t>Currently only functions to add points</a:t>
+            </a:r>
           </a:p>
           <a:p>
             <a:pPr marL="285750"/>
@@ -16564,7 +16563,11 @@
               <a:rPr lang="da-DK" smtClean="0"/>
               <a:t>17</a:t>
             </a:fld>
-            <a:endParaRPr lang="da-DK"/>
+            <a:r>
+              <a:rPr lang="da-DK" dirty="0"/>
+              <a:t>/24</a:t>
+            </a:r>
+            <a:endParaRPr lang="da-DK" dirty="0"/>
           </a:p>
         </p:txBody>
       </p:sp>
@@ -16585,7 +16588,7 @@
           <a:p>
             <a:fld id="{A3977431-41E6-4D69-8799-0963A189E4D1}" type="datetime1">
               <a:rPr lang="da-DK" smtClean="0"/>
-              <a:t>13-01-2014</a:t>
+              <a:t>14-01-2014</a:t>
             </a:fld>
             <a:endParaRPr lang="da-DK"/>
           </a:p>
@@ -16601,13 +16604,13 @@
   <p:clrMapOvr>
     <a:masterClrMapping/>
   </p:clrMapOvr>
-  <mc:AlternateContent xmlns:mc="http://schemas.openxmlformats.org/markup-compatibility/2006">
-    <mc:Choice xmlns:p14="http://schemas.microsoft.com/office/powerpoint/2010/main" Requires="p14">
+  <mc:AlternateContent xmlns:mc="http://schemas.openxmlformats.org/markup-compatibility/2006" xmlns:p14="http://schemas.microsoft.com/office/powerpoint/2010/main">
+    <mc:Choice Requires="p14">
       <p:transition spd="med" p14:dur="700">
         <p:fade/>
       </p:transition>
     </mc:Choice>
-    <mc:Fallback>
+    <mc:Fallback xmlns="">
       <p:transition spd="med">
         <p:fade/>
       </p:transition>
@@ -16728,13 +16731,8 @@
             </a:pPr>
             <a:r>
               <a:rPr lang="en-US" dirty="0" smtClean="0"/>
-              <a:t>Communicates directly with the </a:t>
-            </a:r>
-            <a:r>
-              <a:rPr lang="en-US" dirty="0" smtClean="0"/>
-              <a:t>Database</a:t>
-            </a:r>
-            <a:endParaRPr lang="en-US" dirty="0" smtClean="0"/>
+              <a:t>Communicates directly with the Database</a:t>
+            </a:r>
           </a:p>
           <a:p>
             <a:pPr marL="285750" indent="-285750">
@@ -16776,7 +16774,6 @@
               <a:rPr lang="en-US" dirty="0" smtClean="0"/>
               <a:t>Profiles</a:t>
             </a:r>
-            <a:endParaRPr lang="en-US" dirty="0" smtClean="0"/>
           </a:p>
           <a:p>
             <a:pPr marL="285750" indent="-285750">
@@ -16827,7 +16824,6 @@
               <a:rPr lang="en-US" dirty="0" smtClean="0"/>
               <a:t>Last/First of: Activates if the current day is the first or last of a given weekday of the month</a:t>
             </a:r>
-            <a:endParaRPr lang="en-US" dirty="0" smtClean="0"/>
           </a:p>
         </p:txBody>
       </p:sp>
@@ -16891,7 +16887,11 @@
               <a:rPr lang="da-DK" smtClean="0"/>
               <a:t>18</a:t>
             </a:fld>
-            <a:endParaRPr lang="da-DK"/>
+            <a:r>
+              <a:rPr lang="da-DK" dirty="0"/>
+              <a:t>/24</a:t>
+            </a:r>
+            <a:endParaRPr lang="da-DK" dirty="0"/>
           </a:p>
         </p:txBody>
       </p:sp>
@@ -16912,7 +16912,7 @@
           <a:p>
             <a:fld id="{D9B3B259-6020-4691-A181-430B62BEFE97}" type="datetime1">
               <a:rPr lang="da-DK" smtClean="0"/>
-              <a:t>13-01-2014</a:t>
+              <a:t>14-01-2014</a:t>
             </a:fld>
             <a:endParaRPr lang="da-DK"/>
           </a:p>
@@ -16928,13 +16928,13 @@
   <p:clrMapOvr>
     <a:masterClrMapping/>
   </p:clrMapOvr>
-  <mc:AlternateContent xmlns:mc="http://schemas.openxmlformats.org/markup-compatibility/2006">
-    <mc:Choice xmlns:p14="http://schemas.microsoft.com/office/powerpoint/2010/main" Requires="p14">
+  <mc:AlternateContent xmlns:mc="http://schemas.openxmlformats.org/markup-compatibility/2006" xmlns:p14="http://schemas.microsoft.com/office/powerpoint/2010/main">
+    <mc:Choice Requires="p14">
       <p:transition spd="med" p14:dur="700">
         <p:fade/>
       </p:transition>
     </mc:Choice>
-    <mc:Fallback>
+    <mc:Fallback xmlns="">
       <p:transition spd="med">
         <p:fade/>
       </p:transition>
@@ -17011,36 +17011,21 @@
           <a:p>
             <a:r>
               <a:rPr lang="en-US" sz="2800" dirty="0" smtClean="0"/>
-              <a:t>A middleman between the Database and </a:t>
-            </a:r>
+              <a:t>A middleman between the Database and controller</a:t>
+            </a:r>
+          </a:p>
+          <a:p>
             <a:r>
               <a:rPr lang="en-US" sz="2800" dirty="0" smtClean="0"/>
-              <a:t>controller</a:t>
-            </a:r>
-            <a:endParaRPr lang="en-US" sz="2800" dirty="0" smtClean="0"/>
-          </a:p>
-          <a:p>
-            <a:r>
-              <a:rPr lang="en-US" sz="2800" dirty="0" smtClean="0"/>
-              <a:t>Is made to be simple with 3 </a:t>
-            </a:r>
-            <a:r>
-              <a:rPr lang="en-US" sz="2800" dirty="0" smtClean="0"/>
-              <a:t>commands</a:t>
-            </a:r>
-            <a:endParaRPr lang="en-US" sz="2800" dirty="0" smtClean="0"/>
+              <a:t>Is made to be simple with 3 commands</a:t>
+            </a:r>
           </a:p>
           <a:p>
             <a:pPr lvl="1"/>
             <a:r>
               <a:rPr lang="en-US" sz="2400" dirty="0" smtClean="0"/>
-              <a:t>Get Status: Allows for the controller to check how much time is left or if it needs to turn </a:t>
-            </a:r>
-            <a:r>
-              <a:rPr lang="en-US" sz="2400" dirty="0" smtClean="0"/>
-              <a:t>off</a:t>
-            </a:r>
-            <a:endParaRPr lang="en-US" sz="2400" dirty="0" smtClean="0"/>
+              <a:t>Get Status: Allows for the controller to check how much time is left or if it needs to turn off</a:t>
+            </a:r>
           </a:p>
           <a:p>
             <a:pPr marL="457200" lvl="1" indent="0">
@@ -17056,13 +17041,8 @@
             </a:r>
             <a:r>
               <a:rPr lang="en-US" sz="2400" dirty="0" smtClean="0"/>
-              <a:t>: Asks permission to turn on. Checks permissions and time </a:t>
-            </a:r>
-            <a:r>
-              <a:rPr lang="en-US" sz="2400" dirty="0" smtClean="0"/>
-              <a:t>remaining</a:t>
-            </a:r>
-            <a:endParaRPr lang="en-US" sz="2400" dirty="0" smtClean="0"/>
+              <a:t>: Asks permission to turn on. Checks permissions and time remaining</a:t>
+            </a:r>
           </a:p>
           <a:p>
             <a:pPr marL="457200" lvl="1" indent="0">
@@ -17078,21 +17058,8 @@
             </a:r>
             <a:r>
               <a:rPr lang="en-US" sz="2400" dirty="0" smtClean="0"/>
-              <a:t>: Tells the database that the user wants to turn off. Checks if its the user </a:t>
-            </a:r>
-            <a:r>
-              <a:rPr lang="en-US" sz="2400" dirty="0" smtClean="0"/>
-              <a:t>that </a:t>
-            </a:r>
-            <a:r>
-              <a:rPr lang="en-US" sz="2400" dirty="0" smtClean="0"/>
-              <a:t>logged in </a:t>
-            </a:r>
-            <a:r>
-              <a:rPr lang="en-US" sz="2400" dirty="0" smtClean="0"/>
-              <a:t>first</a:t>
-            </a:r>
-            <a:endParaRPr lang="en-US" sz="2400" dirty="0" smtClean="0"/>
+              <a:t>: Tells the database that the user wants to turn off. Checks if its the user that logged in first</a:t>
+            </a:r>
           </a:p>
         </p:txBody>
       </p:sp>
@@ -17115,7 +17082,11 @@
               <a:rPr lang="da-DK" smtClean="0"/>
               <a:t>19</a:t>
             </a:fld>
-            <a:endParaRPr lang="da-DK"/>
+            <a:r>
+              <a:rPr lang="da-DK" dirty="0"/>
+              <a:t>/24</a:t>
+            </a:r>
+            <a:endParaRPr lang="da-DK" dirty="0"/>
           </a:p>
         </p:txBody>
       </p:sp>
@@ -17136,7 +17107,7 @@
           <a:p>
             <a:fld id="{55C95870-60AF-4785-B902-F1432927B103}" type="datetime1">
               <a:rPr lang="da-DK" smtClean="0"/>
-              <a:t>13-01-2014</a:t>
+              <a:t>14-01-2014</a:t>
             </a:fld>
             <a:endParaRPr lang="da-DK"/>
           </a:p>
@@ -17152,13 +17123,13 @@
   <p:clrMapOvr>
     <a:masterClrMapping/>
   </p:clrMapOvr>
-  <mc:AlternateContent xmlns:mc="http://schemas.openxmlformats.org/markup-compatibility/2006">
-    <mc:Choice xmlns:p14="http://schemas.microsoft.com/office/powerpoint/2010/main" Requires="p14">
+  <mc:AlternateContent xmlns:mc="http://schemas.openxmlformats.org/markup-compatibility/2006" xmlns:p14="http://schemas.microsoft.com/office/powerpoint/2010/main">
+    <mc:Choice Requires="p14">
       <p:transition spd="med" p14:dur="700">
         <p:fade/>
       </p:transition>
     </mc:Choice>
-    <mc:Fallback>
+    <mc:Fallback xmlns="">
       <p:transition spd="med">
         <p:fade/>
       </p:transition>
@@ -17337,7 +17308,11 @@
               <a:rPr lang="da-DK" smtClean="0"/>
               <a:t>2</a:t>
             </a:fld>
-            <a:endParaRPr lang="da-DK"/>
+            <a:r>
+              <a:rPr lang="da-DK" dirty="0" smtClean="0"/>
+              <a:t>/24</a:t>
+            </a:r>
+            <a:endParaRPr lang="da-DK" dirty="0"/>
           </a:p>
         </p:txBody>
       </p:sp>
@@ -17358,7 +17333,7 @@
           <a:p>
             <a:fld id="{AF695A06-8338-4982-A2B1-A6F95E978539}" type="datetime1">
               <a:rPr lang="da-DK" smtClean="0"/>
-              <a:t>13-01-2014</a:t>
+              <a:t>14-01-2014</a:t>
             </a:fld>
             <a:endParaRPr lang="da-DK"/>
           </a:p>
@@ -17374,13 +17349,13 @@
   <p:clrMapOvr>
     <a:masterClrMapping/>
   </p:clrMapOvr>
-  <mc:AlternateContent xmlns:mc="http://schemas.openxmlformats.org/markup-compatibility/2006">
-    <mc:Choice xmlns:p14="http://schemas.microsoft.com/office/powerpoint/2010/main" Requires="p14">
+  <mc:AlternateContent xmlns:mc="http://schemas.openxmlformats.org/markup-compatibility/2006" xmlns:p14="http://schemas.microsoft.com/office/powerpoint/2010/main">
+    <mc:Choice Requires="p14">
       <p:transition spd="med" p14:dur="700">
         <p:fade/>
       </p:transition>
     </mc:Choice>
-    <mc:Fallback>
+    <mc:Fallback xmlns="">
       <p:transition spd="med">
         <p:fade/>
       </p:transition>
@@ -17616,7 +17591,11 @@
               <a:rPr lang="da-DK" smtClean="0"/>
               <a:t>20</a:t>
             </a:fld>
-            <a:endParaRPr lang="da-DK"/>
+            <a:r>
+              <a:rPr lang="da-DK" dirty="0"/>
+              <a:t>/24</a:t>
+            </a:r>
+            <a:endParaRPr lang="da-DK" dirty="0"/>
           </a:p>
         </p:txBody>
       </p:sp>
@@ -17637,7 +17616,7 @@
           <a:p>
             <a:fld id="{BDD4AF5F-48FE-4134-87B1-F0BBDEACCADC}" type="datetime1">
               <a:rPr lang="da-DK" smtClean="0"/>
-              <a:t>13-01-2014</a:t>
+              <a:t>14-01-2014</a:t>
             </a:fld>
             <a:endParaRPr lang="da-DK"/>
           </a:p>
@@ -17653,13 +17632,13 @@
   <p:clrMapOvr>
     <a:masterClrMapping/>
   </p:clrMapOvr>
-  <mc:AlternateContent xmlns:mc="http://schemas.openxmlformats.org/markup-compatibility/2006">
-    <mc:Choice xmlns:p14="http://schemas.microsoft.com/office/powerpoint/2010/main" Requires="p14">
+  <mc:AlternateContent xmlns:mc="http://schemas.openxmlformats.org/markup-compatibility/2006" xmlns:p14="http://schemas.microsoft.com/office/powerpoint/2010/main">
+    <mc:Choice Requires="p14">
       <p:transition spd="med" p14:dur="700">
         <p:fade/>
       </p:transition>
     </mc:Choice>
-    <mc:Fallback>
+    <mc:Fallback xmlns="">
       <p:transition spd="med">
         <p:fade/>
       </p:transition>
@@ -17709,7 +17688,7 @@
           <a:p>
             <a:r>
               <a:rPr lang="en-US" dirty="0" smtClean="0"/>
-              <a:t>Conclusion &amp; Reflection</a:t>
+              <a:t>Conclusion</a:t>
             </a:r>
             <a:endParaRPr lang="en-US" dirty="0"/>
           </a:p>
@@ -17727,8 +17706,65 @@
         </p:nvSpPr>
         <p:spPr/>
         <p:txBody>
-          <a:bodyPr/>
+          <a:bodyPr>
+            <a:normAutofit lnSpcReduction="10000"/>
+          </a:bodyPr>
           <a:lstStyle/>
+          <a:p>
+            <a:r>
+              <a:rPr lang="en-US" dirty="0"/>
+              <a:t>The project has delivered a prototype ready to be tested after a few updates and </a:t>
+            </a:r>
+            <a:r>
+              <a:rPr lang="en-US" dirty="0" smtClean="0"/>
+              <a:t>fixes</a:t>
+            </a:r>
+            <a:endParaRPr lang="en-US" dirty="0"/>
+          </a:p>
+          <a:p>
+            <a:pPr lvl="1"/>
+            <a:r>
+              <a:rPr lang="en-US" dirty="0"/>
+              <a:t>We can Identify unique users with </a:t>
+            </a:r>
+            <a:r>
+              <a:rPr lang="en-US" dirty="0" smtClean="0"/>
+              <a:t>Tags</a:t>
+            </a:r>
+            <a:endParaRPr lang="en-US" dirty="0"/>
+          </a:p>
+          <a:p>
+            <a:pPr lvl="1"/>
+            <a:r>
+              <a:rPr lang="en-US" dirty="0"/>
+              <a:t>We can facilitate chores, rules and permission without constant parental interaction using the website, controller and </a:t>
+            </a:r>
+            <a:r>
+              <a:rPr lang="en-US" dirty="0" smtClean="0"/>
+              <a:t>daemon</a:t>
+            </a:r>
+            <a:endParaRPr lang="en-US" dirty="0"/>
+          </a:p>
+          <a:p>
+            <a:pPr lvl="1"/>
+            <a:r>
+              <a:rPr lang="en-US" dirty="0"/>
+              <a:t>We can enforce the restrictions with an </a:t>
+            </a:r>
+            <a:r>
+              <a:rPr lang="en-US" dirty="0" err="1"/>
+              <a:t>Arduino</a:t>
+            </a:r>
+            <a:r>
+              <a:rPr lang="en-US" dirty="0"/>
+              <a:t> based </a:t>
+            </a:r>
+            <a:r>
+              <a:rPr lang="en-US" dirty="0" smtClean="0"/>
+              <a:t>Controller</a:t>
+            </a:r>
+            <a:endParaRPr lang="en-US" dirty="0"/>
+          </a:p>
           <a:p>
             <a:endParaRPr lang="da-DK" dirty="0"/>
           </a:p>
@@ -17753,7 +17789,11 @@
               <a:rPr lang="da-DK" smtClean="0"/>
               <a:t>21</a:t>
             </a:fld>
-            <a:endParaRPr lang="da-DK"/>
+            <a:r>
+              <a:rPr lang="da-DK" dirty="0"/>
+              <a:t>/24</a:t>
+            </a:r>
+            <a:endParaRPr lang="da-DK" dirty="0"/>
           </a:p>
         </p:txBody>
       </p:sp>
@@ -17774,7 +17814,7 @@
           <a:p>
             <a:fld id="{72DEFE56-CE49-446E-9E0E-7C66B358763F}" type="datetime1">
               <a:rPr lang="da-DK" smtClean="0"/>
-              <a:t>13-01-2014</a:t>
+              <a:t>14-01-2014</a:t>
             </a:fld>
             <a:endParaRPr lang="da-DK"/>
           </a:p>
@@ -17790,13 +17830,13 @@
   <p:clrMapOvr>
     <a:masterClrMapping/>
   </p:clrMapOvr>
-  <mc:AlternateContent xmlns:mc="http://schemas.openxmlformats.org/markup-compatibility/2006">
-    <mc:Choice xmlns:p14="http://schemas.microsoft.com/office/powerpoint/2010/main" Requires="p14">
+  <mc:AlternateContent xmlns:mc="http://schemas.openxmlformats.org/markup-compatibility/2006" xmlns:p14="http://schemas.microsoft.com/office/powerpoint/2010/main">
+    <mc:Choice Requires="p14">
       <p:transition spd="med" p14:dur="700">
         <p:fade/>
       </p:transition>
     </mc:Choice>
-    <mc:Fallback>
+    <mc:Fallback xmlns="">
       <p:transition spd="med">
         <p:fade/>
       </p:transition>
@@ -17845,14 +17885,125 @@
           <a:lstStyle/>
           <a:p>
             <a:r>
-              <a:rPr lang="da-DK" dirty="0" smtClean="0">
-                <a:latin typeface="Eras Demi ITC" pitchFamily="34" charset="0"/>
-              </a:rPr>
-              <a:t>Demonstration</a:t>
-            </a:r>
-            <a:endParaRPr lang="da-DK" dirty="0">
-              <a:latin typeface="Eras Demi ITC" pitchFamily="34" charset="0"/>
-            </a:endParaRPr>
+              <a:rPr lang="da-DK" dirty="0"/>
+              <a:t>Future Work pt.1</a:t>
+            </a:r>
+          </a:p>
+        </p:txBody>
+      </p:sp>
+      <p:sp>
+        <p:nvSpPr>
+          <p:cNvPr id="3" name="Content Placeholder 2"/>
+          <p:cNvSpPr>
+            <a:spLocks noGrp="1"/>
+          </p:cNvSpPr>
+          <p:nvPr>
+            <p:ph idx="1"/>
+          </p:nvPr>
+        </p:nvSpPr>
+        <p:spPr/>
+        <p:txBody>
+          <a:bodyPr/>
+          <a:lstStyle/>
+          <a:p>
+            <a:r>
+              <a:rPr lang="en-US" dirty="0"/>
+              <a:t>Bug </a:t>
+            </a:r>
+            <a:r>
+              <a:rPr lang="en-US" dirty="0" smtClean="0"/>
+              <a:t>Reports</a:t>
+            </a:r>
+            <a:endParaRPr lang="en-US" dirty="0"/>
+          </a:p>
+          <a:p>
+            <a:r>
+              <a:rPr lang="en-US" dirty="0"/>
+              <a:t>Improve on current features:</a:t>
+            </a:r>
+          </a:p>
+          <a:p>
+            <a:pPr lvl="1"/>
+            <a:r>
+              <a:rPr lang="en-US" dirty="0"/>
+              <a:t>Rules and Database </a:t>
+            </a:r>
+            <a:r>
+              <a:rPr lang="en-US" dirty="0" smtClean="0"/>
+              <a:t>re-design</a:t>
+            </a:r>
+            <a:endParaRPr lang="en-US" dirty="0"/>
+          </a:p>
+          <a:p>
+            <a:pPr lvl="1"/>
+            <a:r>
+              <a:rPr lang="en-US" dirty="0"/>
+              <a:t>Fully Implement </a:t>
+            </a:r>
+            <a:r>
+              <a:rPr lang="en-US" dirty="0" smtClean="0"/>
+              <a:t>Calendar</a:t>
+            </a:r>
+            <a:endParaRPr lang="en-US" dirty="0"/>
+          </a:p>
+          <a:p>
+            <a:pPr lvl="1"/>
+            <a:r>
+              <a:rPr lang="en-US" dirty="0"/>
+              <a:t>Improve how chores are </a:t>
+            </a:r>
+            <a:r>
+              <a:rPr lang="en-US" dirty="0" smtClean="0"/>
+              <a:t>finished</a:t>
+            </a:r>
+            <a:endParaRPr lang="en-US" dirty="0"/>
+          </a:p>
+          <a:p>
+            <a:pPr lvl="1"/>
+            <a:r>
+              <a:rPr lang="en-US" dirty="0"/>
+              <a:t>Error Handling on lost </a:t>
+            </a:r>
+            <a:r>
+              <a:rPr lang="en-US" dirty="0" smtClean="0"/>
+              <a:t>connection</a:t>
+            </a:r>
+            <a:endParaRPr lang="en-US" dirty="0"/>
+          </a:p>
+          <a:p>
+            <a:pPr lvl="1"/>
+            <a:r>
+              <a:rPr lang="en-US" dirty="0"/>
+              <a:t>Have the Daemon detect connection </a:t>
+            </a:r>
+            <a:r>
+              <a:rPr lang="en-US" dirty="0" smtClean="0"/>
+              <a:t>drops</a:t>
+            </a:r>
+            <a:endParaRPr lang="en-US" dirty="0"/>
+          </a:p>
+        </p:txBody>
+      </p:sp>
+      <p:sp>
+        <p:nvSpPr>
+          <p:cNvPr id="4" name="Date Placeholder 3"/>
+          <p:cNvSpPr>
+            <a:spLocks noGrp="1"/>
+          </p:cNvSpPr>
+          <p:nvPr>
+            <p:ph type="dt" sz="half" idx="10"/>
+          </p:nvPr>
+        </p:nvSpPr>
+        <p:spPr/>
+        <p:txBody>
+          <a:bodyPr/>
+          <a:lstStyle/>
+          <a:p>
+            <a:fld id="{16BDF056-55B9-4851-AAA2-5AE5E1D05865}" type="datetime1">
+              <a:rPr lang="da-DK" smtClean="0"/>
+              <a:t>14-01-2014</a:t>
+            </a:fld>
+            <a:endParaRPr lang="da-DK"/>
           </a:p>
         </p:txBody>
       </p:sp>
@@ -17875,6 +18026,278 @@
               <a:rPr lang="da-DK" smtClean="0"/>
               <a:t>22</a:t>
             </a:fld>
+            <a:r>
+              <a:rPr lang="da-DK" dirty="0"/>
+              <a:t>/24</a:t>
+            </a:r>
+            <a:endParaRPr lang="da-DK" dirty="0"/>
+          </a:p>
+        </p:txBody>
+      </p:sp>
+    </p:spTree>
+    <p:extLst>
+      <p:ext uri="{BB962C8B-B14F-4D97-AF65-F5344CB8AC3E}">
+        <p14:creationId xmlns:p14="http://schemas.microsoft.com/office/powerpoint/2010/main" val="3923206668"/>
+      </p:ext>
+    </p:extLst>
+  </p:cSld>
+  <p:clrMapOvr>
+    <a:masterClrMapping/>
+  </p:clrMapOvr>
+  <mc:AlternateContent xmlns:mc="http://schemas.openxmlformats.org/markup-compatibility/2006" xmlns:p14="http://schemas.microsoft.com/office/powerpoint/2010/main">
+    <mc:Choice Requires="p14">
+      <p:transition spd="med" p14:dur="700">
+        <p:fade/>
+      </p:transition>
+    </mc:Choice>
+    <mc:Fallback xmlns="">
+      <p:transition spd="med">
+        <p:fade/>
+      </p:transition>
+    </mc:Fallback>
+  </mc:AlternateContent>
+</p:sld>
+</file>
+
+<file path=ppt/slides/slide23.xml><?xml version="1.0" encoding="utf-8"?>
+<p:sld xmlns:a="http://schemas.openxmlformats.org/drawingml/2006/main" xmlns:r="http://schemas.openxmlformats.org/officeDocument/2006/relationships" xmlns:p="http://schemas.openxmlformats.org/presentationml/2006/main">
+  <p:cSld>
+    <p:spTree>
+      <p:nvGrpSpPr>
+        <p:cNvPr id="1" name=""/>
+        <p:cNvGrpSpPr/>
+        <p:nvPr/>
+      </p:nvGrpSpPr>
+      <p:grpSpPr>
+        <a:xfrm>
+          <a:off x="0" y="0"/>
+          <a:ext cx="0" cy="0"/>
+          <a:chOff x="0" y="0"/>
+          <a:chExt cx="0" cy="0"/>
+        </a:xfrm>
+      </p:grpSpPr>
+      <p:sp>
+        <p:nvSpPr>
+          <p:cNvPr id="2" name="Title 1"/>
+          <p:cNvSpPr>
+            <a:spLocks noGrp="1"/>
+          </p:cNvSpPr>
+          <p:nvPr>
+            <p:ph type="title"/>
+          </p:nvPr>
+        </p:nvSpPr>
+        <p:spPr/>
+        <p:txBody>
+          <a:bodyPr/>
+          <a:lstStyle/>
+          <a:p>
+            <a:r>
+              <a:rPr lang="da-DK" dirty="0"/>
+              <a:t>Future Work Pt.2</a:t>
+            </a:r>
+          </a:p>
+        </p:txBody>
+      </p:sp>
+      <p:sp>
+        <p:nvSpPr>
+          <p:cNvPr id="3" name="Content Placeholder 2"/>
+          <p:cNvSpPr>
+            <a:spLocks noGrp="1"/>
+          </p:cNvSpPr>
+          <p:nvPr>
+            <p:ph idx="1"/>
+          </p:nvPr>
+        </p:nvSpPr>
+        <p:spPr/>
+        <p:txBody>
+          <a:bodyPr/>
+          <a:lstStyle/>
+          <a:p>
+            <a:r>
+              <a:rPr lang="en-US" dirty="0"/>
+              <a:t>Adding new Features:</a:t>
+            </a:r>
+          </a:p>
+          <a:p>
+            <a:pPr lvl="1"/>
+            <a:r>
+              <a:rPr lang="en-US" dirty="0"/>
+              <a:t>Learning User </a:t>
+            </a:r>
+            <a:r>
+              <a:rPr lang="en-US" dirty="0" smtClean="0"/>
+              <a:t>Habits</a:t>
+            </a:r>
+            <a:endParaRPr lang="en-US" dirty="0"/>
+          </a:p>
+          <a:p>
+            <a:pPr lvl="1"/>
+            <a:r>
+              <a:rPr lang="en-US" dirty="0"/>
+              <a:t>User Friendly Setup of the </a:t>
+            </a:r>
+            <a:r>
+              <a:rPr lang="en-US" dirty="0" smtClean="0"/>
+              <a:t>controller</a:t>
+            </a:r>
+            <a:endParaRPr lang="en-US" dirty="0"/>
+          </a:p>
+          <a:p>
+            <a:pPr lvl="1"/>
+            <a:r>
+              <a:rPr lang="en-US" dirty="0"/>
+              <a:t>Accompanying Mobile </a:t>
+            </a:r>
+            <a:r>
+              <a:rPr lang="en-US" dirty="0" smtClean="0"/>
+              <a:t>Application</a:t>
+            </a:r>
+            <a:endParaRPr lang="en-US" dirty="0"/>
+          </a:p>
+        </p:txBody>
+      </p:sp>
+      <p:sp>
+        <p:nvSpPr>
+          <p:cNvPr id="4" name="Date Placeholder 3"/>
+          <p:cNvSpPr>
+            <a:spLocks noGrp="1"/>
+          </p:cNvSpPr>
+          <p:nvPr>
+            <p:ph type="dt" sz="half" idx="10"/>
+          </p:nvPr>
+        </p:nvSpPr>
+        <p:spPr/>
+        <p:txBody>
+          <a:bodyPr/>
+          <a:lstStyle/>
+          <a:p>
+            <a:fld id="{16BDF056-55B9-4851-AAA2-5AE5E1D05865}" type="datetime1">
+              <a:rPr lang="da-DK" smtClean="0"/>
+              <a:t>14-01-2014</a:t>
+            </a:fld>
+            <a:endParaRPr lang="da-DK"/>
+          </a:p>
+        </p:txBody>
+      </p:sp>
+      <p:sp>
+        <p:nvSpPr>
+          <p:cNvPr id="5" name="Slide Number Placeholder 4"/>
+          <p:cNvSpPr>
+            <a:spLocks noGrp="1"/>
+          </p:cNvSpPr>
+          <p:nvPr>
+            <p:ph type="sldNum" sz="quarter" idx="12"/>
+          </p:nvPr>
+        </p:nvSpPr>
+        <p:spPr/>
+        <p:txBody>
+          <a:bodyPr/>
+          <a:lstStyle/>
+          <a:p>
+            <a:fld id="{F62E764F-5FA7-4BD4-9336-AF9E02AF06DD}" type="slidenum">
+              <a:rPr lang="da-DK" smtClean="0"/>
+              <a:t>23</a:t>
+            </a:fld>
+            <a:r>
+              <a:rPr lang="da-DK" dirty="0"/>
+              <a:t>/24</a:t>
+            </a:r>
+            <a:endParaRPr lang="da-DK" dirty="0"/>
+          </a:p>
+        </p:txBody>
+      </p:sp>
+    </p:spTree>
+    <p:extLst>
+      <p:ext uri="{BB962C8B-B14F-4D97-AF65-F5344CB8AC3E}">
+        <p14:creationId xmlns:p14="http://schemas.microsoft.com/office/powerpoint/2010/main" val="1342094646"/>
+      </p:ext>
+    </p:extLst>
+  </p:cSld>
+  <p:clrMapOvr>
+    <a:masterClrMapping/>
+  </p:clrMapOvr>
+  <mc:AlternateContent xmlns:mc="http://schemas.openxmlformats.org/markup-compatibility/2006" xmlns:p14="http://schemas.microsoft.com/office/powerpoint/2010/main">
+    <mc:Choice Requires="p14">
+      <p:transition spd="med" p14:dur="700">
+        <p:fade/>
+      </p:transition>
+    </mc:Choice>
+    <mc:Fallback xmlns="">
+      <p:transition spd="med">
+        <p:fade/>
+      </p:transition>
+    </mc:Fallback>
+  </mc:AlternateContent>
+</p:sld>
+</file>
+
+<file path=ppt/slides/slide24.xml><?xml version="1.0" encoding="utf-8"?>
+<p:sld xmlns:a="http://schemas.openxmlformats.org/drawingml/2006/main" xmlns:r="http://schemas.openxmlformats.org/officeDocument/2006/relationships" xmlns:p="http://schemas.openxmlformats.org/presentationml/2006/main">
+  <p:cSld>
+    <p:spTree>
+      <p:nvGrpSpPr>
+        <p:cNvPr id="1" name=""/>
+        <p:cNvGrpSpPr/>
+        <p:nvPr/>
+      </p:nvGrpSpPr>
+      <p:grpSpPr>
+        <a:xfrm>
+          <a:off x="0" y="0"/>
+          <a:ext cx="0" cy="0"/>
+          <a:chOff x="0" y="0"/>
+          <a:chExt cx="0" cy="0"/>
+        </a:xfrm>
+      </p:grpSpPr>
+      <p:sp>
+        <p:nvSpPr>
+          <p:cNvPr id="2" name="Title 1"/>
+          <p:cNvSpPr>
+            <a:spLocks noGrp="1"/>
+          </p:cNvSpPr>
+          <p:nvPr>
+            <p:ph type="title"/>
+          </p:nvPr>
+        </p:nvSpPr>
+        <p:spPr/>
+        <p:txBody>
+          <a:bodyPr/>
+          <a:lstStyle/>
+          <a:p>
+            <a:r>
+              <a:rPr lang="da-DK" dirty="0" smtClean="0">
+                <a:latin typeface="Eras Demi ITC" pitchFamily="34" charset="0"/>
+              </a:rPr>
+              <a:t>Demonstration</a:t>
+            </a:r>
+            <a:endParaRPr lang="da-DK" dirty="0">
+              <a:latin typeface="Eras Demi ITC" pitchFamily="34" charset="0"/>
+            </a:endParaRPr>
+          </a:p>
+        </p:txBody>
+      </p:sp>
+      <p:sp>
+        <p:nvSpPr>
+          <p:cNvPr id="5" name="Slide Number Placeholder 4"/>
+          <p:cNvSpPr>
+            <a:spLocks noGrp="1"/>
+          </p:cNvSpPr>
+          <p:nvPr>
+            <p:ph type="sldNum" sz="quarter" idx="12"/>
+          </p:nvPr>
+        </p:nvSpPr>
+        <p:spPr/>
+        <p:txBody>
+          <a:bodyPr/>
+          <a:lstStyle/>
+          <a:p>
+            <a:fld id="{F62E764F-5FA7-4BD4-9336-AF9E02AF06DD}" type="slidenum">
+              <a:rPr lang="da-DK" smtClean="0"/>
+              <a:t>24</a:t>
+            </a:fld>
+            <a:r>
+              <a:rPr lang="da-DK" dirty="0"/>
+              <a:t>/24</a:t>
+            </a:r>
             <a:endParaRPr lang="da-DK" dirty="0"/>
           </a:p>
         </p:txBody>
@@ -17896,7 +18319,7 @@
           <a:p>
             <a:fld id="{DBB63D22-EBDD-447A-804D-45001AD789E6}" type="datetime1">
               <a:rPr lang="da-DK" smtClean="0"/>
-              <a:t>13-01-2014</a:t>
+              <a:t>14-01-2014</a:t>
             </a:fld>
             <a:endParaRPr lang="da-DK"/>
           </a:p>
@@ -17912,13 +18335,13 @@
   <p:clrMapOvr>
     <a:masterClrMapping/>
   </p:clrMapOvr>
-  <mc:AlternateContent xmlns:mc="http://schemas.openxmlformats.org/markup-compatibility/2006">
-    <mc:Choice xmlns:p14="http://schemas.microsoft.com/office/powerpoint/2010/main" Requires="p14">
+  <mc:AlternateContent xmlns:mc="http://schemas.openxmlformats.org/markup-compatibility/2006" xmlns:p14="http://schemas.microsoft.com/office/powerpoint/2010/main">
+    <mc:Choice Requires="p14">
       <p:transition spd="med" p14:dur="700">
         <p:fade/>
       </p:transition>
     </mc:Choice>
-    <mc:Fallback>
+    <mc:Fallback xmlns="">
       <p:transition spd="med">
         <p:fade/>
       </p:transition>
@@ -18034,7 +18457,11 @@
               <a:rPr lang="da-DK" smtClean="0"/>
               <a:t>3</a:t>
             </a:fld>
-            <a:endParaRPr lang="da-DK"/>
+            <a:r>
+              <a:rPr lang="da-DK" dirty="0"/>
+              <a:t>/24</a:t>
+            </a:r>
+            <a:endParaRPr lang="da-DK" dirty="0"/>
           </a:p>
         </p:txBody>
       </p:sp>
@@ -18055,7 +18482,7 @@
           <a:p>
             <a:fld id="{BCED2AB0-3630-4088-9B7E-94FA7DD577C3}" type="datetime1">
               <a:rPr lang="da-DK" smtClean="0"/>
-              <a:t>13-01-2014</a:t>
+              <a:t>14-01-2014</a:t>
             </a:fld>
             <a:endParaRPr lang="da-DK"/>
           </a:p>
@@ -18071,13 +18498,13 @@
   <p:clrMapOvr>
     <a:masterClrMapping/>
   </p:clrMapOvr>
-  <mc:AlternateContent xmlns:mc="http://schemas.openxmlformats.org/markup-compatibility/2006">
-    <mc:Choice xmlns:p14="http://schemas.microsoft.com/office/powerpoint/2010/main" Requires="p14">
+  <mc:AlternateContent xmlns:mc="http://schemas.openxmlformats.org/markup-compatibility/2006" xmlns:p14="http://schemas.microsoft.com/office/powerpoint/2010/main">
+    <mc:Choice Requires="p14">
       <p:transition spd="med" p14:dur="700">
         <p:fade/>
       </p:transition>
     </mc:Choice>
-    <mc:Fallback>
+    <mc:Fallback xmlns="">
       <p:transition spd="med">
         <p:fade/>
       </p:transition>
@@ -18299,7 +18726,11 @@
               <a:rPr lang="da-DK" smtClean="0"/>
               <a:t>4</a:t>
             </a:fld>
-            <a:endParaRPr lang="da-DK"/>
+            <a:r>
+              <a:rPr lang="da-DK" dirty="0"/>
+              <a:t>/24</a:t>
+            </a:r>
+            <a:endParaRPr lang="da-DK" dirty="0"/>
           </a:p>
         </p:txBody>
       </p:sp>
@@ -18320,7 +18751,7 @@
           <a:p>
             <a:fld id="{32267F2C-9C8B-49F1-8B88-633CEEBAB162}" type="datetime1">
               <a:rPr lang="da-DK" smtClean="0"/>
-              <a:t>13-01-2014</a:t>
+              <a:t>14-01-2014</a:t>
             </a:fld>
             <a:endParaRPr lang="da-DK"/>
           </a:p>
@@ -18336,13 +18767,13 @@
   <p:clrMapOvr>
     <a:masterClrMapping/>
   </p:clrMapOvr>
-  <mc:AlternateContent xmlns:mc="http://schemas.openxmlformats.org/markup-compatibility/2006">
-    <mc:Choice xmlns:p14="http://schemas.microsoft.com/office/powerpoint/2010/main" Requires="p14">
+  <mc:AlternateContent xmlns:mc="http://schemas.openxmlformats.org/markup-compatibility/2006" xmlns:p14="http://schemas.microsoft.com/office/powerpoint/2010/main">
+    <mc:Choice Requires="p14">
       <p:transition spd="med" p14:dur="700">
         <p:fade/>
       </p:transition>
     </mc:Choice>
-    <mc:Fallback>
+    <mc:Fallback xmlns="">
       <p:transition spd="med">
         <p:fade/>
       </p:transition>
@@ -18477,7 +18908,11 @@
               <a:rPr lang="da-DK" smtClean="0"/>
               <a:t>5</a:t>
             </a:fld>
-            <a:endParaRPr lang="da-DK"/>
+            <a:r>
+              <a:rPr lang="da-DK" dirty="0"/>
+              <a:t>/24</a:t>
+            </a:r>
+            <a:endParaRPr lang="da-DK" dirty="0"/>
           </a:p>
         </p:txBody>
       </p:sp>
@@ -18498,7 +18933,7 @@
           <a:p>
             <a:fld id="{14A433A6-DC67-43A0-8B76-9A4C7970B67F}" type="datetime1">
               <a:rPr lang="da-DK" smtClean="0"/>
-              <a:t>13-01-2014</a:t>
+              <a:t>14-01-2014</a:t>
             </a:fld>
             <a:endParaRPr lang="da-DK"/>
           </a:p>
@@ -18514,13 +18949,13 @@
   <p:clrMapOvr>
     <a:masterClrMapping/>
   </p:clrMapOvr>
-  <mc:AlternateContent xmlns:mc="http://schemas.openxmlformats.org/markup-compatibility/2006">
-    <mc:Choice xmlns:p14="http://schemas.microsoft.com/office/powerpoint/2010/main" Requires="p14">
+  <mc:AlternateContent xmlns:mc="http://schemas.openxmlformats.org/markup-compatibility/2006" xmlns:p14="http://schemas.microsoft.com/office/powerpoint/2010/main">
+    <mc:Choice Requires="p14">
       <p:transition spd="med" p14:dur="700">
         <p:fade/>
       </p:transition>
     </mc:Choice>
-    <mc:Fallback>
+    <mc:Fallback xmlns="">
       <p:transition spd="med">
         <p:fade/>
       </p:transition>
@@ -18629,13 +19064,8 @@
             <a:pPr lvl="1"/>
             <a:r>
               <a:rPr lang="en-US" dirty="0" smtClean="0"/>
-              <a:t>Parents must have access to any media, any </a:t>
-            </a:r>
-            <a:r>
-              <a:rPr lang="en-US" dirty="0" smtClean="0"/>
-              <a:t>time</a:t>
-            </a:r>
-            <a:endParaRPr lang="en-US" dirty="0" smtClean="0"/>
+              <a:t>Parents must have access to any media, any time</a:t>
+            </a:r>
           </a:p>
         </p:txBody>
       </p:sp>
@@ -18658,7 +19088,11 @@
               <a:rPr lang="da-DK" smtClean="0"/>
               <a:t>6</a:t>
             </a:fld>
-            <a:endParaRPr lang="da-DK"/>
+            <a:r>
+              <a:rPr lang="da-DK" dirty="0"/>
+              <a:t>/24</a:t>
+            </a:r>
+            <a:endParaRPr lang="da-DK" dirty="0"/>
           </a:p>
         </p:txBody>
       </p:sp>
@@ -18679,7 +19113,7 @@
           <a:p>
             <a:fld id="{87654E56-6E92-413F-81A8-00E8D1399B85}" type="datetime1">
               <a:rPr lang="da-DK" smtClean="0"/>
-              <a:t>13-01-2014</a:t>
+              <a:t>14-01-2014</a:t>
             </a:fld>
             <a:endParaRPr lang="da-DK"/>
           </a:p>
@@ -18695,13 +19129,13 @@
   <p:clrMapOvr>
     <a:masterClrMapping/>
   </p:clrMapOvr>
-  <mc:AlternateContent xmlns:mc="http://schemas.openxmlformats.org/markup-compatibility/2006">
-    <mc:Choice xmlns:p14="http://schemas.microsoft.com/office/powerpoint/2010/main" Requires="p14">
+  <mc:AlternateContent xmlns:mc="http://schemas.openxmlformats.org/markup-compatibility/2006" xmlns:p14="http://schemas.microsoft.com/office/powerpoint/2010/main">
+    <mc:Choice Requires="p14">
       <p:transition spd="med" p14:dur="700">
         <p:fade/>
       </p:transition>
     </mc:Choice>
-    <mc:Fallback>
+    <mc:Fallback xmlns="">
       <p:transition spd="med">
         <p:fade/>
       </p:transition>
@@ -18816,11 +19250,7 @@
             </a:pPr>
             <a:r>
               <a:rPr lang="da-DK" sz="2200" dirty="0" smtClean="0"/>
-              <a:t>       (&lt;</a:t>
-            </a:r>
-            <a:r>
-              <a:rPr lang="da-DK" sz="2200" dirty="0" smtClean="0"/>
-              <a:t>ActionsetSet1&gt;&lt;ConditionSet1&gt;)*</a:t>
+              <a:t>       (&lt;ActionsetSet1&gt;&lt;ConditionSet1&gt;)*</a:t>
             </a:r>
           </a:p>
           <a:p>
@@ -18992,7 +19422,11 @@
               <a:rPr lang="da-DK" smtClean="0"/>
               <a:t>7</a:t>
             </a:fld>
-            <a:endParaRPr lang="da-DK"/>
+            <a:r>
+              <a:rPr lang="da-DK" dirty="0"/>
+              <a:t>/24</a:t>
+            </a:r>
+            <a:endParaRPr lang="da-DK" dirty="0"/>
           </a:p>
         </p:txBody>
       </p:sp>
@@ -19013,7 +19447,7 @@
           <a:p>
             <a:fld id="{E0D6A1F1-545D-4062-A2D2-EE4206D89013}" type="datetime1">
               <a:rPr lang="da-DK" smtClean="0"/>
-              <a:t>13-01-2014</a:t>
+              <a:t>14-01-2014</a:t>
             </a:fld>
             <a:endParaRPr lang="da-DK"/>
           </a:p>
@@ -19029,13 +19463,13 @@
   <p:clrMapOvr>
     <a:masterClrMapping/>
   </p:clrMapOvr>
-  <mc:AlternateContent xmlns:mc="http://schemas.openxmlformats.org/markup-compatibility/2006">
-    <mc:Choice xmlns:p14="http://schemas.microsoft.com/office/powerpoint/2010/main" Requires="p14">
+  <mc:AlternateContent xmlns:mc="http://schemas.openxmlformats.org/markup-compatibility/2006" xmlns:p14="http://schemas.microsoft.com/office/powerpoint/2010/main">
+    <mc:Choice Requires="p14">
       <p:transition spd="med" p14:dur="700">
         <p:fade/>
       </p:transition>
     </mc:Choice>
-    <mc:Fallback>
+    <mc:Fallback xmlns="">
       <p:transition spd="med">
         <p:fade/>
       </p:transition>
@@ -19181,7 +19615,11 @@
               <a:rPr lang="da-DK" smtClean="0"/>
               <a:t>8</a:t>
             </a:fld>
-            <a:endParaRPr lang="da-DK"/>
+            <a:r>
+              <a:rPr lang="da-DK" dirty="0"/>
+              <a:t>/24</a:t>
+            </a:r>
+            <a:endParaRPr lang="da-DK" dirty="0"/>
           </a:p>
         </p:txBody>
       </p:sp>
@@ -19202,7 +19640,7 @@
           <a:p>
             <a:fld id="{E8198FAF-3786-4086-97A7-A3218692EE09}" type="datetime1">
               <a:rPr lang="da-DK" smtClean="0"/>
-              <a:t>13-01-2014</a:t>
+              <a:t>14-01-2014</a:t>
             </a:fld>
             <a:endParaRPr lang="da-DK"/>
           </a:p>
@@ -19218,13 +19656,13 @@
   <p:clrMapOvr>
     <a:masterClrMapping/>
   </p:clrMapOvr>
-  <mc:AlternateContent xmlns:mc="http://schemas.openxmlformats.org/markup-compatibility/2006">
-    <mc:Choice xmlns:p14="http://schemas.microsoft.com/office/powerpoint/2010/main" Requires="p14">
+  <mc:AlternateContent xmlns:mc="http://schemas.openxmlformats.org/markup-compatibility/2006" xmlns:p14="http://schemas.microsoft.com/office/powerpoint/2010/main">
+    <mc:Choice Requires="p14">
       <p:transition spd="med" p14:dur="700">
         <p:fade/>
       </p:transition>
     </mc:Choice>
-    <mc:Fallback>
+    <mc:Fallback xmlns="">
       <p:transition spd="med">
         <p:fade/>
       </p:transition>
@@ -19336,7 +19774,11 @@
               <a:rPr lang="da-DK" smtClean="0"/>
               <a:t>9</a:t>
             </a:fld>
-            <a:endParaRPr lang="da-DK"/>
+            <a:r>
+              <a:rPr lang="da-DK" dirty="0"/>
+              <a:t>/24</a:t>
+            </a:r>
+            <a:endParaRPr lang="da-DK" dirty="0"/>
           </a:p>
         </p:txBody>
       </p:sp>
@@ -19357,7 +19799,7 @@
           <a:p>
             <a:fld id="{DB05D605-ABCF-49EE-BF51-91FF74501B50}" type="datetime1">
               <a:rPr lang="da-DK" smtClean="0"/>
-              <a:t>13-01-2014</a:t>
+              <a:t>14-01-2014</a:t>
             </a:fld>
             <a:endParaRPr lang="da-DK"/>
           </a:p>
@@ -19373,13 +19815,13 @@
   <p:clrMapOvr>
     <a:masterClrMapping/>
   </p:clrMapOvr>
-  <mc:AlternateContent xmlns:mc="http://schemas.openxmlformats.org/markup-compatibility/2006">
-    <mc:Choice xmlns:p14="http://schemas.microsoft.com/office/powerpoint/2010/main" Requires="p14">
+  <mc:AlternateContent xmlns:mc="http://schemas.openxmlformats.org/markup-compatibility/2006" xmlns:p14="http://schemas.microsoft.com/office/powerpoint/2010/main">
+    <mc:Choice Requires="p14">
       <p:transition spd="med" p14:dur="700">
         <p:fade/>
       </p:transition>
     </mc:Choice>
-    <mc:Fallback>
+    <mc:Fallback xmlns="">
       <p:transition spd="med">
         <p:fade/>
       </p:transition>
